--- a/Documents/Slides/Identity-ClaimsExerciseMVC.pptx
+++ b/Documents/Slides/Identity-ClaimsExerciseMVC.pptx
@@ -225,7 +225,7 @@
           <a:p>
             <a:fld id="{B5922E6D-3451-482A-A64F-C89F139BA51A}" type="datetimeFigureOut">
               <a:rPr lang="en-US" smtClean="0"/>
-              <a:t>12/1/2014</a:t>
+              <a:t>12/2/2014</a:t>
             </a:fld>
             <a:endParaRPr lang="en-US"/>
           </a:p>
@@ -390,7 +390,7 @@
           <a:p>
             <a:fld id="{05247E74-41DE-40FA-A7A7-A655366ADCFA}" type="datetimeFigureOut">
               <a:rPr lang="sv-SE" smtClean="0"/>
-              <a:t>2014-12-01</a:t>
+              <a:t>2014-12-02</a:t>
             </a:fld>
             <a:endParaRPr lang="sv-SE"/>
           </a:p>
@@ -854,7 +854,7 @@
           <a:p>
             <a:fld id="{DB41BBF1-8D56-4061-8DE2-461FDAC177EF}" type="datetimeFigureOut">
               <a:rPr lang="sv-SE" smtClean="0"/>
-              <a:t>2014-12-01</a:t>
+              <a:t>2014-12-02</a:t>
             </a:fld>
             <a:endParaRPr lang="sv-SE"/>
           </a:p>
@@ -1118,7 +1118,7 @@
           <a:p>
             <a:fld id="{DB41BBF1-8D56-4061-8DE2-461FDAC177EF}" type="datetimeFigureOut">
               <a:rPr lang="sv-SE" smtClean="0"/>
-              <a:t>2014-12-01</a:t>
+              <a:t>2014-12-02</a:t>
             </a:fld>
             <a:endParaRPr lang="sv-SE"/>
           </a:p>
@@ -1295,7 +1295,7 @@
           <a:p>
             <a:fld id="{DB41BBF1-8D56-4061-8DE2-461FDAC177EF}" type="datetimeFigureOut">
               <a:rPr lang="sv-SE" smtClean="0"/>
-              <a:t>2014-12-01</a:t>
+              <a:t>2014-12-02</a:t>
             </a:fld>
             <a:endParaRPr lang="sv-SE"/>
           </a:p>
@@ -1482,7 +1482,7 @@
           <a:p>
             <a:fld id="{DB41BBF1-8D56-4061-8DE2-461FDAC177EF}" type="datetimeFigureOut">
               <a:rPr lang="sv-SE" smtClean="0"/>
-              <a:t>2014-12-01</a:t>
+              <a:t>2014-12-02</a:t>
             </a:fld>
             <a:endParaRPr lang="sv-SE"/>
           </a:p>
@@ -1746,7 +1746,7 @@
           <a:p>
             <a:fld id="{DB41BBF1-8D56-4061-8DE2-461FDAC177EF}" type="datetimeFigureOut">
               <a:rPr lang="sv-SE" smtClean="0"/>
-              <a:t>2014-12-01</a:t>
+              <a:t>2014-12-02</a:t>
             </a:fld>
             <a:endParaRPr lang="sv-SE"/>
           </a:p>
@@ -1923,7 +1923,7 @@
           <a:p>
             <a:fld id="{DB41BBF1-8D56-4061-8DE2-461FDAC177EF}" type="datetimeFigureOut">
               <a:rPr lang="sv-SE" smtClean="0"/>
-              <a:t>2014-12-01</a:t>
+              <a:t>2014-12-02</a:t>
             </a:fld>
             <a:endParaRPr lang="sv-SE"/>
           </a:p>
@@ -2176,7 +2176,7 @@
           <a:p>
             <a:fld id="{DB41BBF1-8D56-4061-8DE2-461FDAC177EF}" type="datetimeFigureOut">
               <a:rPr lang="sv-SE" smtClean="0"/>
-              <a:t>2014-12-01</a:t>
+              <a:t>2014-12-02</a:t>
             </a:fld>
             <a:endParaRPr lang="sv-SE"/>
           </a:p>
@@ -2471,7 +2471,7 @@
           <a:p>
             <a:fld id="{DB41BBF1-8D56-4061-8DE2-461FDAC177EF}" type="datetimeFigureOut">
               <a:rPr lang="sv-SE" smtClean="0"/>
-              <a:t>2014-12-01</a:t>
+              <a:t>2014-12-02</a:t>
             </a:fld>
             <a:endParaRPr lang="sv-SE"/>
           </a:p>
@@ -2900,7 +2900,7 @@
           <a:p>
             <a:fld id="{DB41BBF1-8D56-4061-8DE2-461FDAC177EF}" type="datetimeFigureOut">
               <a:rPr lang="sv-SE" smtClean="0"/>
-              <a:t>2014-12-01</a:t>
+              <a:t>2014-12-02</a:t>
             </a:fld>
             <a:endParaRPr lang="sv-SE"/>
           </a:p>
@@ -3025,7 +3025,7 @@
           <a:p>
             <a:fld id="{DB41BBF1-8D56-4061-8DE2-461FDAC177EF}" type="datetimeFigureOut">
               <a:rPr lang="sv-SE" smtClean="0"/>
-              <a:t>2014-12-01</a:t>
+              <a:t>2014-12-02</a:t>
             </a:fld>
             <a:endParaRPr lang="sv-SE"/>
           </a:p>
@@ -3127,7 +3127,7 @@
           <a:p>
             <a:fld id="{DB41BBF1-8D56-4061-8DE2-461FDAC177EF}" type="datetimeFigureOut">
               <a:rPr lang="sv-SE" smtClean="0"/>
-              <a:t>2014-12-01</a:t>
+              <a:t>2014-12-02</a:t>
             </a:fld>
             <a:endParaRPr lang="sv-SE"/>
           </a:p>
@@ -3411,7 +3411,7 @@
           <a:p>
             <a:fld id="{DB41BBF1-8D56-4061-8DE2-461FDAC177EF}" type="datetimeFigureOut">
               <a:rPr lang="sv-SE" smtClean="0"/>
-              <a:t>2014-12-01</a:t>
+              <a:t>2014-12-02</a:t>
             </a:fld>
             <a:endParaRPr lang="sv-SE"/>
           </a:p>
@@ -3639,7 +3639,7 @@
           <a:p>
             <a:fld id="{DB41BBF1-8D56-4061-8DE2-461FDAC177EF}" type="datetimeFigureOut">
               <a:rPr lang="sv-SE" smtClean="0"/>
-              <a:t>2014-12-01</a:t>
+              <a:t>2014-12-02</a:t>
             </a:fld>
             <a:endParaRPr lang="sv-SE"/>
           </a:p>
@@ -4260,182 +4260,22 @@
               <a:buNone/>
             </a:pPr>
             <a:r>
-              <a:rPr lang="sv-SE" dirty="0" err="1" smtClean="0"/>
-              <a:t>Now</a:t>
-            </a:r>
-            <a:r>
-              <a:rPr lang="sv-SE" dirty="0" smtClean="0"/>
-              <a:t> the </a:t>
-            </a:r>
-            <a:r>
-              <a:rPr lang="sv-SE" dirty="0" err="1" smtClean="0"/>
-              <a:t>user</a:t>
-            </a:r>
-            <a:r>
-              <a:rPr lang="sv-SE" dirty="0" smtClean="0"/>
-              <a:t> has the </a:t>
-            </a:r>
-            <a:r>
-              <a:rPr lang="sv-SE" dirty="0" err="1" smtClean="0"/>
-              <a:t>ability</a:t>
-            </a:r>
-            <a:r>
-              <a:rPr lang="sv-SE" dirty="0" smtClean="0"/>
-              <a:t> to </a:t>
-            </a:r>
-            <a:r>
-              <a:rPr lang="sv-SE" dirty="0" err="1" smtClean="0"/>
-              <a:t>add</a:t>
-            </a:r>
-            <a:r>
-              <a:rPr lang="sv-SE" dirty="0" smtClean="0"/>
-              <a:t> </a:t>
-            </a:r>
-            <a:r>
-              <a:rPr lang="sv-SE" dirty="0" err="1" smtClean="0"/>
-              <a:t>claims</a:t>
-            </a:r>
-            <a:r>
-              <a:rPr lang="sv-SE" dirty="0" smtClean="0"/>
-              <a:t> to </a:t>
-            </a:r>
-            <a:r>
-              <a:rPr lang="sv-SE" dirty="0" err="1" smtClean="0"/>
-              <a:t>its</a:t>
-            </a:r>
-            <a:r>
-              <a:rPr lang="sv-SE" dirty="0" smtClean="0"/>
-              <a:t> </a:t>
-            </a:r>
-            <a:r>
-              <a:rPr lang="sv-SE" dirty="0" err="1" smtClean="0"/>
-              <a:t>identity</a:t>
-            </a:r>
-            <a:r>
-              <a:rPr lang="sv-SE" dirty="0" smtClean="0"/>
-              <a:t>. </a:t>
-            </a:r>
-            <a:r>
-              <a:rPr lang="sv-SE" dirty="0" err="1" smtClean="0"/>
-              <a:t>Next</a:t>
-            </a:r>
-            <a:r>
-              <a:rPr lang="sv-SE" dirty="0" smtClean="0"/>
-              <a:t> </a:t>
-            </a:r>
-            <a:r>
-              <a:rPr lang="sv-SE" dirty="0" err="1" smtClean="0"/>
-              <a:t>up</a:t>
-            </a:r>
-            <a:r>
-              <a:rPr lang="sv-SE" dirty="0" smtClean="0"/>
-              <a:t> </a:t>
-            </a:r>
-            <a:r>
-              <a:rPr lang="sv-SE" dirty="0" err="1" smtClean="0"/>
-              <a:t>we</a:t>
-            </a:r>
-            <a:r>
-              <a:rPr lang="sv-SE" dirty="0"/>
-              <a:t> </a:t>
-            </a:r>
-            <a:r>
-              <a:rPr lang="sv-SE" dirty="0" err="1" smtClean="0"/>
-              <a:t>are</a:t>
-            </a:r>
-            <a:r>
-              <a:rPr lang="sv-SE" dirty="0" smtClean="0"/>
-              <a:t> going to list all the </a:t>
-            </a:r>
-            <a:r>
-              <a:rPr lang="sv-SE" dirty="0" err="1" smtClean="0"/>
-              <a:t>users</a:t>
-            </a:r>
-            <a:r>
-              <a:rPr lang="sv-SE" dirty="0" smtClean="0"/>
-              <a:t> </a:t>
-            </a:r>
-            <a:r>
-              <a:rPr lang="sv-SE" dirty="0" err="1" smtClean="0"/>
-              <a:t>claims</a:t>
-            </a:r>
-            <a:r>
-              <a:rPr lang="sv-SE" dirty="0" smtClean="0"/>
-              <a:t>.</a:t>
+              <a:rPr lang="en-US" dirty="0" smtClean="0"/>
+              <a:t>Now the user has the ability to add claims to its identity. Next up we are going to list all the users claims.</a:t>
             </a:r>
             <a:br>
-              <a:rPr lang="sv-SE" dirty="0" smtClean="0"/>
+              <a:rPr lang="en-US" dirty="0" smtClean="0"/>
             </a:br>
             <a:r>
-              <a:rPr lang="sv-SE" dirty="0" smtClean="0"/>
+              <a:rPr lang="en-US" dirty="0" smtClean="0"/>
               <a:t/>
             </a:r>
             <a:br>
-              <a:rPr lang="sv-SE" dirty="0" smtClean="0"/>
+              <a:rPr lang="en-US" dirty="0" smtClean="0"/>
             </a:br>
             <a:r>
-              <a:rPr lang="sv-SE" dirty="0" err="1" smtClean="0"/>
-              <a:t>We</a:t>
-            </a:r>
-            <a:r>
-              <a:rPr lang="sv-SE" dirty="0"/>
-              <a:t> </a:t>
-            </a:r>
-            <a:r>
-              <a:rPr lang="sv-SE" dirty="0" err="1" smtClean="0"/>
-              <a:t>are</a:t>
-            </a:r>
-            <a:r>
-              <a:rPr lang="sv-SE" dirty="0" smtClean="0"/>
-              <a:t> going to </a:t>
-            </a:r>
-            <a:r>
-              <a:rPr lang="sv-SE" dirty="0" err="1" smtClean="0"/>
-              <a:t>this</a:t>
-            </a:r>
-            <a:r>
-              <a:rPr lang="sv-SE" dirty="0" smtClean="0"/>
-              <a:t> by </a:t>
-            </a:r>
-            <a:r>
-              <a:rPr lang="sv-SE" dirty="0" err="1" smtClean="0"/>
-              <a:t>creating</a:t>
-            </a:r>
-            <a:r>
-              <a:rPr lang="sv-SE" dirty="0" smtClean="0"/>
-              <a:t> </a:t>
-            </a:r>
-            <a:r>
-              <a:rPr lang="sv-SE" dirty="0" err="1" smtClean="0"/>
-              <a:t>another</a:t>
-            </a:r>
-            <a:r>
-              <a:rPr lang="sv-SE" dirty="0" smtClean="0"/>
-              <a:t> action </a:t>
-            </a:r>
-            <a:r>
-              <a:rPr lang="sv-SE" dirty="0" err="1" smtClean="0"/>
-              <a:t>which</a:t>
-            </a:r>
-            <a:r>
-              <a:rPr lang="sv-SE" dirty="0" smtClean="0"/>
-              <a:t> </a:t>
-            </a:r>
-            <a:r>
-              <a:rPr lang="sv-SE" dirty="0" err="1" smtClean="0"/>
-              <a:t>we</a:t>
-            </a:r>
-            <a:r>
-              <a:rPr lang="sv-SE" dirty="0" smtClean="0"/>
-              <a:t> </a:t>
-            </a:r>
-            <a:r>
-              <a:rPr lang="sv-SE" dirty="0" err="1" smtClean="0"/>
-              <a:t>will</a:t>
-            </a:r>
-            <a:r>
-              <a:rPr lang="sv-SE" dirty="0" smtClean="0"/>
-              <a:t> call ”List”.</a:t>
+              <a:rPr lang="en-US" dirty="0" smtClean="0"/>
+              <a:t>We are going to this by creating another action which we will call ”List”.</a:t>
             </a:r>
           </a:p>
           <a:p>
@@ -5576,36 +5416,12 @@
               <a:buNone/>
             </a:pPr>
             <a:r>
-              <a:rPr lang="sv-SE" dirty="0" err="1" smtClean="0"/>
-              <a:t>Now</a:t>
+              <a:rPr lang="en-US" dirty="0" smtClean="0"/>
+              <a:t>Now we create a view for the ”List” action</a:t>
             </a:r>
             <a:r>
               <a:rPr lang="sv-SE" dirty="0" smtClean="0"/>
-              <a:t> </a:t>
-            </a:r>
-            <a:r>
-              <a:rPr lang="sv-SE" dirty="0" err="1" smtClean="0"/>
-              <a:t>we</a:t>
-            </a:r>
-            <a:r>
-              <a:rPr lang="sv-SE" dirty="0" smtClean="0"/>
-              <a:t> </a:t>
-            </a:r>
-            <a:r>
-              <a:rPr lang="sv-SE" dirty="0" err="1" smtClean="0"/>
-              <a:t>create</a:t>
-            </a:r>
-            <a:r>
-              <a:rPr lang="sv-SE" dirty="0" smtClean="0"/>
-              <a:t> a </a:t>
-            </a:r>
-            <a:r>
-              <a:rPr lang="sv-SE" dirty="0" err="1" smtClean="0"/>
-              <a:t>view</a:t>
-            </a:r>
-            <a:r>
-              <a:rPr lang="sv-SE" dirty="0" smtClean="0"/>
-              <a:t> for the ”List” action</a:t>
+              <a:t/>
             </a:r>
             <a:br>
               <a:rPr lang="sv-SE" dirty="0" smtClean="0"/>
@@ -7541,80 +7357,16 @@
           </a:p>
           <a:p>
             <a:r>
-              <a:rPr lang="sv-SE" sz="3200" dirty="0" err="1" smtClean="0"/>
-              <a:t>We</a:t>
-            </a:r>
-            <a:r>
-              <a:rPr lang="sv-SE" sz="3200" dirty="0" smtClean="0"/>
-              <a:t> </a:t>
-            </a:r>
-            <a:r>
-              <a:rPr lang="sv-SE" sz="3200" dirty="0" err="1" smtClean="0"/>
-              <a:t>can</a:t>
-            </a:r>
-            <a:r>
-              <a:rPr lang="sv-SE" sz="3200" dirty="0" smtClean="0"/>
-              <a:t> </a:t>
-            </a:r>
-            <a:r>
-              <a:rPr lang="sv-SE" sz="3200" dirty="0" err="1" smtClean="0"/>
-              <a:t>now</a:t>
-            </a:r>
-            <a:r>
-              <a:rPr lang="sv-SE" sz="3200" dirty="0" smtClean="0"/>
-              <a:t> look at </a:t>
-            </a:r>
-            <a:r>
-              <a:rPr lang="sv-SE" sz="3200" dirty="0" err="1" smtClean="0"/>
-              <a:t>our</a:t>
-            </a:r>
-            <a:r>
-              <a:rPr lang="sv-SE" sz="3200" dirty="0" smtClean="0"/>
-              <a:t> </a:t>
-            </a:r>
-            <a:r>
-              <a:rPr lang="sv-SE" sz="3200" dirty="0" err="1" smtClean="0"/>
-              <a:t>users</a:t>
-            </a:r>
-            <a:r>
-              <a:rPr lang="sv-SE" sz="3200" dirty="0" smtClean="0"/>
-              <a:t> </a:t>
-            </a:r>
-            <a:r>
-              <a:rPr lang="sv-SE" sz="3200" dirty="0" err="1" smtClean="0"/>
-              <a:t>claims</a:t>
-            </a:r>
-            <a:r>
-              <a:rPr lang="sv-SE" sz="3200" dirty="0" smtClean="0"/>
-              <a:t>. </a:t>
-            </a:r>
-          </a:p>
-          <a:p>
-            <a:r>
-              <a:rPr lang="sv-SE" sz="3200" dirty="0" smtClean="0"/>
-              <a:t>It </a:t>
-            </a:r>
-            <a:r>
-              <a:rPr lang="sv-SE" sz="3200" dirty="0" err="1" smtClean="0"/>
-              <a:t>should</a:t>
-            </a:r>
-            <a:r>
-              <a:rPr lang="sv-SE" sz="3200" dirty="0" smtClean="0"/>
-              <a:t> look </a:t>
-            </a:r>
-            <a:r>
-              <a:rPr lang="sv-SE" sz="3200" dirty="0" err="1" smtClean="0"/>
-              <a:t>something</a:t>
-            </a:r>
-            <a:r>
-              <a:rPr lang="sv-SE" sz="3200" dirty="0" smtClean="0"/>
-              <a:t> like </a:t>
-            </a:r>
-            <a:r>
-              <a:rPr lang="sv-SE" sz="3200" dirty="0" err="1" smtClean="0"/>
-              <a:t>this</a:t>
-            </a:r>
-            <a:endParaRPr lang="en-GB" sz="2400" dirty="0"/>
+              <a:rPr lang="en-US" sz="3200" dirty="0" smtClean="0"/>
+              <a:t>We can now look at our users claims. </a:t>
+            </a:r>
+          </a:p>
+          <a:p>
+            <a:r>
+              <a:rPr lang="en-US" sz="3200" dirty="0" smtClean="0"/>
+              <a:t>It should look something like this</a:t>
+            </a:r>
+            <a:endParaRPr lang="en-US" sz="2400" dirty="0"/>
           </a:p>
         </p:txBody>
       </p:sp>
@@ -7702,148 +7454,84 @@
             <a:pPr marL="0" indent="0">
               <a:buNone/>
             </a:pPr>
-            <a:endParaRPr lang="sv-SE" dirty="0"/>
-          </a:p>
-          <a:p>
-            <a:r>
-              <a:rPr lang="sv-SE" dirty="0" err="1" smtClean="0"/>
-              <a:t>Create</a:t>
-            </a:r>
-            <a:r>
-              <a:rPr lang="sv-SE" dirty="0" smtClean="0"/>
+            <a:endParaRPr lang="sv-SE" dirty="0" smtClean="0"/>
+          </a:p>
+          <a:p>
+            <a:r>
+              <a:rPr lang="en-US" dirty="0" smtClean="0"/>
+              <a:t>Create </a:t>
+            </a:r>
+            <a:r>
+              <a:rPr lang="en-US" dirty="0" err="1" smtClean="0"/>
+              <a:t>ClaimController</a:t>
+            </a:r>
+            <a:endParaRPr lang="en-US" dirty="0" smtClean="0"/>
+          </a:p>
+          <a:p>
+            <a:r>
+              <a:rPr lang="en-US" dirty="0" smtClean="0"/>
+              <a:t>Create Add </a:t>
+            </a:r>
+            <a:r>
+              <a:rPr lang="en-US" dirty="0" err="1" smtClean="0"/>
+              <a:t>Actionresult</a:t>
+            </a:r>
+            <a:r>
+              <a:rPr lang="en-US" dirty="0" smtClean="0"/>
               <a:t> </a:t>
             </a:r>
             <a:r>
-              <a:rPr lang="sv-SE" dirty="0" err="1" smtClean="0"/>
-              <a:t>ClaimController</a:t>
-            </a:r>
-            <a:endParaRPr lang="sv-SE" dirty="0" smtClean="0"/>
-          </a:p>
-          <a:p>
-            <a:r>
-              <a:rPr lang="sv-SE" dirty="0" err="1" smtClean="0"/>
-              <a:t>Create</a:t>
-            </a:r>
-            <a:r>
-              <a:rPr lang="sv-SE" dirty="0" smtClean="0"/>
-              <a:t> </a:t>
-            </a:r>
-            <a:r>
-              <a:rPr lang="sv-SE" dirty="0" err="1" smtClean="0"/>
-              <a:t>Add</a:t>
-            </a:r>
-            <a:r>
-              <a:rPr lang="sv-SE" dirty="0" smtClean="0"/>
-              <a:t> </a:t>
-            </a:r>
-            <a:r>
-              <a:rPr lang="sv-SE" dirty="0" err="1" smtClean="0"/>
-              <a:t>Actionresult</a:t>
-            </a:r>
-            <a:r>
-              <a:rPr lang="sv-SE" dirty="0" smtClean="0"/>
-              <a:t> </a:t>
-            </a:r>
-            <a:r>
-              <a:rPr lang="sv-SE" dirty="0" err="1" smtClean="0"/>
+              <a:rPr lang="en-US" dirty="0" err="1" smtClean="0"/>
               <a:t>async</a:t>
             </a:r>
             <a:r>
-              <a:rPr lang="sv-SE" dirty="0" smtClean="0"/>
+              <a:rPr lang="en-US" dirty="0" smtClean="0"/>
               <a:t> task…</a:t>
             </a:r>
           </a:p>
           <a:p>
             <a:r>
-              <a:rPr lang="sv-SE" dirty="0" err="1" smtClean="0"/>
-              <a:t>Add</a:t>
-            </a:r>
-            <a:r>
-              <a:rPr lang="sv-SE" dirty="0" smtClean="0"/>
-              <a:t> </a:t>
-            </a:r>
-            <a:r>
-              <a:rPr lang="sv-SE" dirty="0" err="1" smtClean="0"/>
-              <a:t>using</a:t>
-            </a:r>
-            <a:r>
-              <a:rPr lang="sv-SE" dirty="0" smtClean="0"/>
-              <a:t> </a:t>
-            </a:r>
-            <a:r>
-              <a:rPr lang="sv-SE" dirty="0" err="1" smtClean="0"/>
+              <a:rPr lang="en-US" dirty="0" smtClean="0"/>
+              <a:t>Add using </a:t>
+            </a:r>
+            <a:r>
+              <a:rPr lang="en-US" dirty="0" err="1" smtClean="0"/>
               <a:t>System.Security.Claims.Claim</a:t>
             </a:r>
-            <a:endParaRPr lang="sv-SE" dirty="0" smtClean="0"/>
-          </a:p>
-          <a:p>
-            <a:r>
-              <a:rPr lang="sv-SE" dirty="0" err="1" smtClean="0"/>
-              <a:t>Add</a:t>
-            </a:r>
-            <a:r>
-              <a:rPr lang="sv-SE" dirty="0" smtClean="0"/>
-              <a:t> </a:t>
-            </a:r>
-            <a:r>
-              <a:rPr lang="sv-SE" dirty="0" err="1" smtClean="0"/>
-              <a:t>using</a:t>
-            </a:r>
-            <a:r>
-              <a:rPr lang="sv-SE" dirty="0" smtClean="0"/>
-              <a:t> </a:t>
-            </a:r>
-            <a:r>
-              <a:rPr lang="sv-SE" dirty="0" err="1" smtClean="0"/>
+            <a:endParaRPr lang="en-US" dirty="0" smtClean="0"/>
+          </a:p>
+          <a:p>
+            <a:r>
+              <a:rPr lang="en-US" dirty="0" smtClean="0"/>
+              <a:t>Add using </a:t>
+            </a:r>
+            <a:r>
+              <a:rPr lang="en-US" dirty="0" err="1" smtClean="0"/>
               <a:t>Microsoft.AspNet.Identity</a:t>
             </a:r>
-            <a:endParaRPr lang="sv-SE" dirty="0" smtClean="0"/>
-          </a:p>
-          <a:p>
-            <a:r>
-              <a:rPr lang="sv-SE" dirty="0" err="1" smtClean="0"/>
-              <a:t>Add</a:t>
-            </a:r>
-            <a:r>
-              <a:rPr lang="sv-SE" dirty="0" smtClean="0"/>
-              <a:t> </a:t>
-            </a:r>
-            <a:r>
-              <a:rPr lang="sv-SE" dirty="0" err="1" smtClean="0"/>
-              <a:t>using</a:t>
-            </a:r>
-            <a:r>
-              <a:rPr lang="sv-SE" dirty="0" smtClean="0"/>
-              <a:t> </a:t>
-            </a:r>
-            <a:r>
-              <a:rPr lang="sv-SE" dirty="0" err="1" smtClean="0"/>
+            <a:endParaRPr lang="en-US" dirty="0" smtClean="0"/>
+          </a:p>
+          <a:p>
+            <a:r>
+              <a:rPr lang="en-US" dirty="0" smtClean="0"/>
+              <a:t>Add using </a:t>
+            </a:r>
+            <a:r>
+              <a:rPr lang="en-US" dirty="0" err="1" smtClean="0"/>
               <a:t>Microsoft.AspNet.Entityframework</a:t>
             </a:r>
-            <a:endParaRPr lang="sv-SE" dirty="0" smtClean="0"/>
-          </a:p>
-          <a:p>
-            <a:r>
-              <a:rPr lang="sv-SE" dirty="0" err="1" smtClean="0"/>
-              <a:t>Add</a:t>
-            </a:r>
-            <a:r>
-              <a:rPr lang="sv-SE" dirty="0" smtClean="0"/>
-              <a:t> </a:t>
-            </a:r>
-            <a:r>
-              <a:rPr lang="sv-SE" dirty="0" err="1" smtClean="0"/>
-              <a:t>using</a:t>
-            </a:r>
-            <a:r>
-              <a:rPr lang="sv-SE" dirty="0" smtClean="0"/>
-              <a:t> </a:t>
-            </a:r>
-            <a:r>
-              <a:rPr lang="sv-SE" dirty="0" err="1" smtClean="0"/>
+            <a:endParaRPr lang="en-US" dirty="0" smtClean="0"/>
+          </a:p>
+          <a:p>
+            <a:r>
+              <a:rPr lang="en-US" dirty="0" smtClean="0"/>
+              <a:t>Add using </a:t>
+            </a:r>
+            <a:r>
+              <a:rPr lang="en-US" dirty="0" err="1" smtClean="0"/>
               <a:t>System.Threading.Tasks</a:t>
             </a:r>
-            <a:endParaRPr lang="sv-SE" dirty="0" smtClean="0"/>
+            <a:endParaRPr lang="en-US" dirty="0" smtClean="0"/>
           </a:p>
           <a:p>
             <a:endParaRPr lang="en-GB" dirty="0"/>
@@ -7860,11 +7548,11 @@
   <p:clrMapOvr>
     <a:masterClrMapping/>
   </p:clrMapOvr>
-  <mc:AlternateContent xmlns:mc="http://schemas.openxmlformats.org/markup-compatibility/2006">
-    <mc:Choice xmlns:p14="http://schemas.microsoft.com/office/powerpoint/2010/main" Requires="p14">
+  <mc:AlternateContent xmlns:mc="http://schemas.openxmlformats.org/markup-compatibility/2006" xmlns:p14="http://schemas.microsoft.com/office/powerpoint/2010/main">
+    <mc:Choice Requires="p14">
       <p:transition spd="slow" p14:dur="2000"/>
     </mc:Choice>
-    <mc:Fallback>
+    <mc:Fallback xmlns="">
       <p:transition spd="slow"/>
     </mc:Fallback>
   </mc:AlternateContent>
@@ -7930,134 +7618,67 @@
           <a:lstStyle/>
           <a:p>
             <a:r>
-              <a:rPr lang="sv-SE" dirty="0" err="1" smtClean="0"/>
-              <a:t>Create</a:t>
-            </a:r>
-            <a:r>
-              <a:rPr lang="sv-SE" dirty="0" smtClean="0"/>
-              <a:t> </a:t>
-            </a:r>
-            <a:r>
-              <a:rPr lang="sv-SE" dirty="0" err="1" smtClean="0"/>
-              <a:t>Custom</a:t>
-            </a:r>
-            <a:r>
-              <a:rPr lang="sv-SE" dirty="0" smtClean="0"/>
-              <a:t> </a:t>
-            </a:r>
-            <a:r>
-              <a:rPr lang="sv-SE" dirty="0" err="1" smtClean="0"/>
-              <a:t>Claim</a:t>
-            </a:r>
-            <a:r>
-              <a:rPr lang="sv-SE" dirty="0" smtClean="0"/>
-              <a:t> </a:t>
-            </a:r>
-            <a:r>
-              <a:rPr lang="sv-SE" dirty="0" err="1" smtClean="0"/>
-              <a:t>Model</a:t>
-            </a:r>
-            <a:endParaRPr lang="sv-SE" dirty="0" smtClean="0"/>
-          </a:p>
-          <a:p>
-            <a:r>
-              <a:rPr lang="sv-SE" dirty="0" err="1" smtClean="0"/>
-              <a:t>Create</a:t>
-            </a:r>
-            <a:r>
-              <a:rPr lang="sv-SE" dirty="0" smtClean="0"/>
-              <a:t> </a:t>
-            </a:r>
-            <a:r>
-              <a:rPr lang="sv-SE" dirty="0" err="1" smtClean="0"/>
-              <a:t>Add</a:t>
-            </a:r>
-            <a:r>
-              <a:rPr lang="sv-SE" dirty="0" smtClean="0"/>
-              <a:t> </a:t>
-            </a:r>
-            <a:r>
-              <a:rPr lang="sv-SE" dirty="0" err="1" smtClean="0"/>
-              <a:t>View</a:t>
-            </a:r>
-            <a:endParaRPr lang="sv-SE" dirty="0" smtClean="0"/>
-          </a:p>
-          <a:p>
-            <a:r>
-              <a:rPr lang="sv-SE" dirty="0" err="1" smtClean="0"/>
-              <a:t>Create</a:t>
-            </a:r>
-            <a:r>
-              <a:rPr lang="sv-SE" dirty="0" smtClean="0"/>
-              <a:t> List Controller</a:t>
-            </a:r>
-          </a:p>
-          <a:p>
-            <a:r>
-              <a:rPr lang="sv-SE" dirty="0" err="1" smtClean="0"/>
-              <a:t>Create</a:t>
-            </a:r>
-            <a:r>
-              <a:rPr lang="sv-SE" dirty="0" smtClean="0"/>
-              <a:t> List </a:t>
-            </a:r>
-            <a:r>
-              <a:rPr lang="sv-SE" dirty="0" err="1" smtClean="0"/>
-              <a:t>View</a:t>
-            </a:r>
-            <a:endParaRPr lang="sv-SE" dirty="0" smtClean="0"/>
-          </a:p>
-          <a:p>
-            <a:r>
-              <a:rPr lang="sv-SE" dirty="0" err="1" smtClean="0"/>
-              <a:t>Create</a:t>
-            </a:r>
-            <a:r>
-              <a:rPr lang="sv-SE" dirty="0" smtClean="0"/>
-              <a:t> </a:t>
-            </a:r>
-            <a:r>
-              <a:rPr lang="sv-SE" dirty="0" err="1" smtClean="0"/>
+              <a:rPr lang="en-US" dirty="0" smtClean="0"/>
+              <a:t>Create Custom Claim Model</a:t>
+            </a:r>
+          </a:p>
+          <a:p>
+            <a:r>
+              <a:rPr lang="en-US" dirty="0" smtClean="0"/>
+              <a:t>Create Add View</a:t>
+            </a:r>
+          </a:p>
+          <a:p>
+            <a:r>
+              <a:rPr lang="en-US" dirty="0" smtClean="0"/>
+              <a:t>Create List Controller</a:t>
+            </a:r>
+          </a:p>
+          <a:p>
+            <a:r>
+              <a:rPr lang="en-US" dirty="0" smtClean="0"/>
+              <a:t>Create List View</a:t>
+            </a:r>
+          </a:p>
+          <a:p>
+            <a:r>
+              <a:rPr lang="en-US" dirty="0" smtClean="0"/>
+              <a:t>Create </a:t>
+            </a:r>
+            <a:r>
+              <a:rPr lang="en-US" dirty="0" err="1" smtClean="0"/>
               <a:t>ClaimsAuthorizationAttribute</a:t>
             </a:r>
-            <a:endParaRPr lang="sv-SE" dirty="0" smtClean="0"/>
-          </a:p>
-          <a:p>
-            <a:r>
-              <a:rPr lang="sv-SE" dirty="0" err="1" smtClean="0"/>
-              <a:t>Add</a:t>
-            </a:r>
-            <a:r>
-              <a:rPr lang="sv-SE" dirty="0" smtClean="0"/>
-              <a:t> </a:t>
-            </a:r>
-            <a:r>
-              <a:rPr lang="sv-SE" dirty="0" err="1" smtClean="0"/>
+            <a:endParaRPr lang="en-US" dirty="0" smtClean="0"/>
+          </a:p>
+          <a:p>
+            <a:r>
+              <a:rPr lang="en-US" dirty="0" smtClean="0"/>
+              <a:t>Add </a:t>
+            </a:r>
+            <a:r>
+              <a:rPr lang="en-US" dirty="0" err="1" smtClean="0"/>
               <a:t>Usings</a:t>
             </a:r>
             <a:r>
-              <a:rPr lang="sv-SE" dirty="0" smtClean="0"/>
+              <a:rPr lang="en-US" dirty="0" smtClean="0"/>
               <a:t>….</a:t>
             </a:r>
           </a:p>
           <a:p>
             <a:r>
-              <a:rPr lang="sv-SE" dirty="0" err="1" smtClean="0"/>
-              <a:t>Apply</a:t>
-            </a:r>
-            <a:r>
-              <a:rPr lang="sv-SE" dirty="0" smtClean="0"/>
-              <a:t> </a:t>
-            </a:r>
-            <a:r>
-              <a:rPr lang="sv-SE" dirty="0" err="1" smtClean="0"/>
+              <a:rPr lang="en-US" dirty="0" smtClean="0"/>
+              <a:t>Apply </a:t>
+            </a:r>
+            <a:r>
+              <a:rPr lang="en-US" dirty="0" err="1" smtClean="0"/>
               <a:t>ClaimsAuthorizationAttribute</a:t>
             </a:r>
             <a:r>
-              <a:rPr lang="sv-SE" dirty="0" smtClean="0"/>
+              <a:rPr lang="en-US" dirty="0" smtClean="0"/>
               <a:t> to List Action</a:t>
             </a:r>
-            <a:endParaRPr lang="en-GB" dirty="0"/>
+            <a:endParaRPr lang="en-US" dirty="0"/>
           </a:p>
         </p:txBody>
       </p:sp>
@@ -8071,11 +7692,11 @@
   <p:clrMapOvr>
     <a:masterClrMapping/>
   </p:clrMapOvr>
-  <mc:AlternateContent xmlns:mc="http://schemas.openxmlformats.org/markup-compatibility/2006">
-    <mc:Choice xmlns:p14="http://schemas.microsoft.com/office/powerpoint/2010/main" Requires="p14">
+  <mc:AlternateContent xmlns:mc="http://schemas.openxmlformats.org/markup-compatibility/2006" xmlns:p14="http://schemas.microsoft.com/office/powerpoint/2010/main">
+    <mc:Choice Requires="p14">
       <p:transition spd="slow" p14:dur="2000"/>
     </mc:Choice>
-    <mc:Fallback>
+    <mc:Fallback xmlns="">
       <p:transition spd="slow"/>
     </mc:Fallback>
   </mc:AlternateContent>
@@ -8170,11 +7791,7 @@
             </a:pPr>
             <a:r>
               <a:rPr lang="en-US" sz="3200" dirty="0" smtClean="0"/>
-              <a:t> Working with </a:t>
-            </a:r>
-            <a:r>
-              <a:rPr lang="en-US" sz="3200" dirty="0" smtClean="0"/>
-              <a:t>claims &amp; roles in MVC 5</a:t>
+              <a:t> Working with claims &amp; roles in MVC 5</a:t>
             </a:r>
             <a:endParaRPr lang="en-US" sz="3200" dirty="0"/>
           </a:p>
@@ -8287,167 +7904,36 @@
               <a:buNone/>
             </a:pPr>
             <a:r>
-              <a:rPr lang="sv-SE" dirty="0" smtClean="0"/>
-              <a:t>In </a:t>
-            </a:r>
-            <a:r>
-              <a:rPr lang="sv-SE" dirty="0" err="1" smtClean="0"/>
-              <a:t>this</a:t>
-            </a:r>
-            <a:r>
-              <a:rPr lang="sv-SE" dirty="0" smtClean="0"/>
-              <a:t> </a:t>
-            </a:r>
-            <a:r>
-              <a:rPr lang="sv-SE" dirty="0" err="1" smtClean="0"/>
-              <a:t>exercise</a:t>
-            </a:r>
-            <a:r>
-              <a:rPr lang="sv-SE" dirty="0" smtClean="0"/>
-              <a:t> </a:t>
-            </a:r>
-            <a:r>
-              <a:rPr lang="sv-SE" dirty="0" err="1" smtClean="0"/>
-              <a:t>we</a:t>
-            </a:r>
-            <a:r>
-              <a:rPr lang="sv-SE" dirty="0" smtClean="0"/>
-              <a:t> </a:t>
-            </a:r>
-            <a:r>
-              <a:rPr lang="sv-SE" dirty="0" err="1" smtClean="0"/>
-              <a:t>will</a:t>
-            </a:r>
-            <a:r>
-              <a:rPr lang="sv-SE" dirty="0" smtClean="0"/>
-              <a:t> </a:t>
-            </a:r>
-            <a:r>
-              <a:rPr lang="sv-SE" dirty="0" err="1" smtClean="0"/>
-              <a:t>create</a:t>
-            </a:r>
-            <a:r>
-              <a:rPr lang="sv-SE" dirty="0" smtClean="0"/>
-              <a:t> an </a:t>
-            </a:r>
-            <a:r>
-              <a:rPr lang="sv-SE" dirty="0" err="1" smtClean="0"/>
-              <a:t>application</a:t>
-            </a:r>
-            <a:r>
-              <a:rPr lang="sv-SE" dirty="0" smtClean="0"/>
-              <a:t> </a:t>
-            </a:r>
-            <a:r>
-              <a:rPr lang="sv-SE" dirty="0" err="1" smtClean="0"/>
-              <a:t>which</a:t>
-            </a:r>
-            <a:r>
-              <a:rPr lang="sv-SE" dirty="0" smtClean="0"/>
-              <a:t> </a:t>
-            </a:r>
-            <a:r>
-              <a:rPr lang="sv-SE" dirty="0" err="1" smtClean="0"/>
-              <a:t>can</a:t>
-            </a:r>
-            <a:r>
-              <a:rPr lang="sv-SE" dirty="0" smtClean="0"/>
-              <a:t>:</a:t>
+              <a:rPr lang="en-US" dirty="0" smtClean="0"/>
+              <a:t>In this exercise we will create an application which can:</a:t>
             </a:r>
             <a:br>
-              <a:rPr lang="sv-SE" dirty="0" smtClean="0"/>
+              <a:rPr lang="en-US" dirty="0" smtClean="0"/>
             </a:br>
-            <a:endParaRPr lang="sv-SE" dirty="0" smtClean="0"/>
-          </a:p>
-          <a:p>
-            <a:r>
-              <a:rPr lang="sv-SE" dirty="0" err="1" smtClean="0"/>
-              <a:t>Add</a:t>
-            </a:r>
-            <a:r>
-              <a:rPr lang="sv-SE" dirty="0" smtClean="0"/>
-              <a:t> </a:t>
-            </a:r>
-            <a:r>
-              <a:rPr lang="sv-SE" dirty="0" err="1"/>
-              <a:t>R</a:t>
-            </a:r>
-            <a:r>
-              <a:rPr lang="sv-SE" dirty="0" err="1" smtClean="0"/>
-              <a:t>oles</a:t>
-            </a:r>
-            <a:r>
-              <a:rPr lang="sv-SE" dirty="0" smtClean="0"/>
-              <a:t> &amp; </a:t>
-            </a:r>
-            <a:r>
-              <a:rPr lang="sv-SE" dirty="0" err="1" smtClean="0"/>
-              <a:t>Claims</a:t>
-            </a:r>
-            <a:endParaRPr lang="sv-SE" dirty="0" smtClean="0"/>
-          </a:p>
-          <a:p>
-            <a:r>
-              <a:rPr lang="sv-SE" dirty="0" err="1" smtClean="0"/>
-              <a:t>Delete</a:t>
-            </a:r>
-            <a:r>
-              <a:rPr lang="sv-SE" dirty="0" smtClean="0"/>
-              <a:t> </a:t>
-            </a:r>
-            <a:r>
-              <a:rPr lang="sv-SE" dirty="0" err="1" smtClean="0"/>
-              <a:t>Roles</a:t>
-            </a:r>
-            <a:r>
-              <a:rPr lang="sv-SE" dirty="0" smtClean="0"/>
-              <a:t> &amp; </a:t>
-            </a:r>
-            <a:r>
-              <a:rPr lang="sv-SE" dirty="0" err="1" smtClean="0"/>
-              <a:t>Claims</a:t>
-            </a:r>
-            <a:endParaRPr lang="sv-SE" dirty="0" smtClean="0"/>
-          </a:p>
-          <a:p>
-            <a:r>
-              <a:rPr lang="sv-SE" dirty="0" smtClean="0"/>
-              <a:t>Edit </a:t>
-            </a:r>
-            <a:r>
-              <a:rPr lang="sv-SE" dirty="0" err="1" smtClean="0"/>
-              <a:t>Roles</a:t>
-            </a:r>
-            <a:endParaRPr lang="sv-SE" dirty="0" smtClean="0"/>
-          </a:p>
-          <a:p>
-            <a:r>
-              <a:rPr lang="sv-SE" dirty="0" err="1" smtClean="0"/>
-              <a:t>Authorize</a:t>
-            </a:r>
-            <a:r>
-              <a:rPr lang="sv-SE" dirty="0" smtClean="0"/>
-              <a:t> by </a:t>
-            </a:r>
-            <a:r>
-              <a:rPr lang="sv-SE" dirty="0" err="1" smtClean="0"/>
-              <a:t>using</a:t>
-            </a:r>
-            <a:r>
-              <a:rPr lang="sv-SE" dirty="0" smtClean="0"/>
-              <a:t> </a:t>
-            </a:r>
-            <a:r>
-              <a:rPr lang="sv-SE" dirty="0" err="1" smtClean="0"/>
-              <a:t>Roles</a:t>
-            </a:r>
-            <a:r>
-              <a:rPr lang="sv-SE" dirty="0" smtClean="0"/>
-              <a:t> &amp; </a:t>
-            </a:r>
-            <a:r>
-              <a:rPr lang="sv-SE" dirty="0" err="1" smtClean="0"/>
-              <a:t>Claims</a:t>
+            <a:endParaRPr lang="en-US" dirty="0" smtClean="0"/>
+          </a:p>
+          <a:p>
+            <a:r>
+              <a:rPr lang="en-US" dirty="0" smtClean="0"/>
+              <a:t>Add Roles &amp; Claims</a:t>
+            </a:r>
+          </a:p>
+          <a:p>
+            <a:r>
+              <a:rPr lang="en-US" dirty="0" smtClean="0"/>
+              <a:t>Delete Roles &amp; Claims</a:t>
+            </a:r>
+          </a:p>
+          <a:p>
+            <a:r>
+              <a:rPr lang="en-US" dirty="0" smtClean="0"/>
+              <a:t>Edit Roles</a:t>
+            </a:r>
+          </a:p>
+          <a:p>
+            <a:r>
+              <a:rPr lang="en-US" dirty="0" smtClean="0"/>
+              <a:t>Authorize by using Roles &amp; Claims</a:t>
             </a:r>
             <a:r>
               <a:rPr lang="sv-SE" dirty="0"/>
@@ -8548,272 +8034,47 @@
               <a:buNone/>
             </a:pPr>
             <a:r>
-              <a:rPr lang="sv-SE" dirty="0" err="1"/>
-              <a:t>We</a:t>
-            </a:r>
-            <a:r>
-              <a:rPr lang="sv-SE" dirty="0"/>
-              <a:t> start off by </a:t>
-            </a:r>
-            <a:r>
-              <a:rPr lang="sv-SE" dirty="0" err="1"/>
-              <a:t>creating</a:t>
-            </a:r>
-            <a:r>
-              <a:rPr lang="sv-SE" dirty="0"/>
-              <a:t> a MVC </a:t>
-            </a:r>
-            <a:r>
-              <a:rPr lang="sv-SE" dirty="0" err="1"/>
-              <a:t>project</a:t>
-            </a:r>
-            <a:r>
-              <a:rPr lang="sv-SE" dirty="0"/>
-              <a:t> </a:t>
-            </a:r>
-            <a:r>
-              <a:rPr lang="sv-SE" dirty="0" err="1"/>
-              <a:t>using</a:t>
-            </a:r>
-            <a:r>
-              <a:rPr lang="sv-SE" dirty="0"/>
-              <a:t> the </a:t>
-            </a:r>
-            <a:r>
-              <a:rPr lang="sv-SE" dirty="0" err="1"/>
-              <a:t>Identity</a:t>
-            </a:r>
-            <a:r>
-              <a:rPr lang="sv-SE" dirty="0"/>
-              <a:t> template. (</a:t>
-            </a:r>
-            <a:r>
-              <a:rPr lang="sv-SE" dirty="0" err="1"/>
-              <a:t>Requires</a:t>
-            </a:r>
-            <a:r>
-              <a:rPr lang="sv-SE" dirty="0"/>
-              <a:t> MVC 5</a:t>
-            </a:r>
-            <a:r>
-              <a:rPr lang="sv-SE" dirty="0" smtClean="0"/>
-              <a:t>). </a:t>
+              <a:rPr lang="en-US" dirty="0" smtClean="0"/>
+              <a:t>We start off by creating a MVC project using the Identity template. (Requires MVC 5). </a:t>
             </a:r>
           </a:p>
           <a:p>
             <a:pPr marL="0" indent="0">
               <a:buNone/>
             </a:pPr>
-            <a:endParaRPr lang="sv-SE" dirty="0"/>
+            <a:endParaRPr lang="en-US" dirty="0" smtClean="0"/>
           </a:p>
           <a:p>
             <a:pPr marL="0" indent="0">
               <a:buNone/>
             </a:pPr>
             <a:r>
-              <a:rPr lang="sv-SE" dirty="0" err="1" smtClean="0"/>
-              <a:t>This</a:t>
-            </a:r>
-            <a:r>
-              <a:rPr lang="sv-SE" dirty="0" smtClean="0"/>
-              <a:t> </a:t>
-            </a:r>
-            <a:r>
-              <a:rPr lang="sv-SE" dirty="0" err="1" smtClean="0"/>
-              <a:t>means</a:t>
-            </a:r>
-            <a:r>
-              <a:rPr lang="sv-SE" dirty="0" smtClean="0"/>
-              <a:t> </a:t>
-            </a:r>
-            <a:r>
-              <a:rPr lang="sv-SE" dirty="0" err="1" smtClean="0"/>
-              <a:t>we</a:t>
-            </a:r>
-            <a:r>
-              <a:rPr lang="sv-SE" dirty="0"/>
-              <a:t> </a:t>
-            </a:r>
-            <a:r>
-              <a:rPr lang="sv-SE" dirty="0" err="1" smtClean="0"/>
-              <a:t>will</a:t>
-            </a:r>
-            <a:r>
-              <a:rPr lang="sv-SE" dirty="0" smtClean="0"/>
-              <a:t> </a:t>
-            </a:r>
-            <a:r>
-              <a:rPr lang="sv-SE" dirty="0" err="1" smtClean="0"/>
+              <a:rPr lang="en-US" dirty="0" smtClean="0"/>
+              <a:t>This means we will </a:t>
+            </a:r>
+            <a:r>
+              <a:rPr lang="en-US" dirty="0" err="1" smtClean="0"/>
               <a:t>recieve</a:t>
             </a:r>
             <a:r>
-              <a:rPr lang="sv-SE" dirty="0" smtClean="0"/>
-              <a:t> a </a:t>
-            </a:r>
-            <a:r>
-              <a:rPr lang="sv-SE" dirty="0" err="1" smtClean="0"/>
-              <a:t>project</a:t>
-            </a:r>
-            <a:r>
-              <a:rPr lang="sv-SE" dirty="0" smtClean="0"/>
-              <a:t> </a:t>
-            </a:r>
-            <a:r>
-              <a:rPr lang="sv-SE" dirty="0" err="1" smtClean="0"/>
-              <a:t>which</a:t>
-            </a:r>
-            <a:r>
-              <a:rPr lang="sv-SE" dirty="0" smtClean="0"/>
-              <a:t> has </a:t>
-            </a:r>
-            <a:r>
-              <a:rPr lang="sv-SE" dirty="0" err="1" smtClean="0"/>
-              <a:t>already</a:t>
-            </a:r>
-            <a:r>
-              <a:rPr lang="sv-SE" dirty="0" smtClean="0"/>
-              <a:t> </a:t>
-            </a:r>
-            <a:r>
-              <a:rPr lang="sv-SE" dirty="0" err="1" smtClean="0"/>
-              <a:t>been</a:t>
-            </a:r>
-            <a:r>
-              <a:rPr lang="sv-SE" dirty="0" smtClean="0"/>
-              <a:t> </a:t>
-            </a:r>
-            <a:r>
-              <a:rPr lang="sv-SE" dirty="0" err="1" smtClean="0"/>
-              <a:t>configured</a:t>
-            </a:r>
-            <a:r>
-              <a:rPr lang="sv-SE" dirty="0" smtClean="0"/>
-              <a:t> to </a:t>
-            </a:r>
-            <a:r>
-              <a:rPr lang="sv-SE" dirty="0" err="1" smtClean="0"/>
-              <a:t>handle</a:t>
-            </a:r>
-            <a:r>
-              <a:rPr lang="sv-SE" dirty="0" smtClean="0"/>
-              <a:t> ASP.NET </a:t>
-            </a:r>
-            <a:r>
-              <a:rPr lang="sv-SE" dirty="0" err="1" smtClean="0"/>
-              <a:t>Identity</a:t>
-            </a:r>
-            <a:r>
-              <a:rPr lang="sv-SE" dirty="0" smtClean="0"/>
-              <a:t>.</a:t>
+              <a:rPr lang="en-US" dirty="0" smtClean="0"/>
+              <a:t> a project which has already been configured to handle ASP.NET Identity.</a:t>
             </a:r>
           </a:p>
           <a:p>
             <a:pPr marL="0" indent="0">
               <a:buNone/>
             </a:pPr>
-            <a:endParaRPr lang="sv-SE" dirty="0"/>
+            <a:endParaRPr lang="en-US" dirty="0" smtClean="0"/>
           </a:p>
           <a:p>
             <a:pPr marL="0" indent="0">
               <a:buNone/>
             </a:pPr>
             <a:r>
-              <a:rPr lang="sv-SE" dirty="0" err="1" smtClean="0"/>
-              <a:t>Now</a:t>
-            </a:r>
-            <a:r>
-              <a:rPr lang="sv-SE" dirty="0" smtClean="0"/>
-              <a:t> </a:t>
-            </a:r>
-            <a:r>
-              <a:rPr lang="sv-SE" dirty="0" err="1" smtClean="0"/>
-              <a:t>we</a:t>
-            </a:r>
-            <a:r>
-              <a:rPr lang="sv-SE" dirty="0" smtClean="0"/>
-              <a:t> </a:t>
-            </a:r>
-            <a:r>
-              <a:rPr lang="sv-SE" dirty="0" err="1" smtClean="0"/>
-              <a:t>want</a:t>
-            </a:r>
-            <a:r>
-              <a:rPr lang="sv-SE" dirty="0" smtClean="0"/>
-              <a:t> to </a:t>
-            </a:r>
-            <a:r>
-              <a:rPr lang="sv-SE" dirty="0" err="1" smtClean="0"/>
-              <a:t>create</a:t>
-            </a:r>
-            <a:r>
-              <a:rPr lang="sv-SE" dirty="0" smtClean="0"/>
-              <a:t> a page </a:t>
-            </a:r>
-            <a:r>
-              <a:rPr lang="sv-SE" dirty="0" err="1" smtClean="0"/>
-              <a:t>which</a:t>
-            </a:r>
-            <a:r>
-              <a:rPr lang="sv-SE" dirty="0" smtClean="0"/>
-              <a:t> </a:t>
-            </a:r>
-            <a:r>
-              <a:rPr lang="sv-SE" dirty="0" err="1" smtClean="0"/>
-              <a:t>will</a:t>
-            </a:r>
-            <a:r>
-              <a:rPr lang="sv-SE" dirty="0" smtClean="0"/>
-              <a:t> </a:t>
-            </a:r>
-            <a:r>
-              <a:rPr lang="sv-SE" dirty="0" err="1" smtClean="0"/>
-              <a:t>allow</a:t>
-            </a:r>
-            <a:r>
-              <a:rPr lang="sv-SE" dirty="0" smtClean="0"/>
-              <a:t> the </a:t>
-            </a:r>
-            <a:r>
-              <a:rPr lang="sv-SE" dirty="0" err="1" smtClean="0"/>
-              <a:t>user</a:t>
-            </a:r>
-            <a:r>
-              <a:rPr lang="sv-SE" dirty="0" smtClean="0"/>
-              <a:t> to </a:t>
-            </a:r>
-            <a:r>
-              <a:rPr lang="sv-SE" dirty="0" err="1" smtClean="0"/>
-              <a:t>add</a:t>
-            </a:r>
-            <a:r>
-              <a:rPr lang="sv-SE" dirty="0" smtClean="0"/>
-              <a:t> </a:t>
-            </a:r>
-            <a:r>
-              <a:rPr lang="sv-SE" dirty="0" err="1" smtClean="0"/>
-              <a:t>claims</a:t>
-            </a:r>
-            <a:r>
-              <a:rPr lang="sv-SE" dirty="0" smtClean="0"/>
-              <a:t> to </a:t>
-            </a:r>
-            <a:r>
-              <a:rPr lang="sv-SE" dirty="0" err="1" smtClean="0"/>
-              <a:t>its</a:t>
-            </a:r>
-            <a:r>
-              <a:rPr lang="sv-SE" dirty="0" smtClean="0"/>
-              <a:t> </a:t>
-            </a:r>
-            <a:r>
-              <a:rPr lang="sv-SE" dirty="0" err="1" smtClean="0"/>
-              <a:t>identity</a:t>
-            </a:r>
-            <a:r>
-              <a:rPr lang="sv-SE" dirty="0" smtClean="0"/>
-              <a:t>.</a:t>
-            </a:r>
-            <a:endParaRPr lang="sv-SE" dirty="0"/>
+              <a:rPr lang="en-US" dirty="0" smtClean="0"/>
+              <a:t>Now we want to create a page which will allow the user to add claims to its identity.</a:t>
+            </a:r>
           </a:p>
           <a:p>
             <a:pPr marL="0" indent="0">
@@ -8918,108 +8179,36 @@
               <a:rPr lang="sv-SE" sz="2400" dirty="0" smtClean="0"/>
             </a:br>
             <a:r>
-              <a:rPr lang="sv-SE" dirty="0" err="1" smtClean="0"/>
-              <a:t>We</a:t>
+              <a:rPr lang="en-US" dirty="0" smtClean="0"/>
+              <a:t>We proceed by creating a claim controller with an ”</a:t>
+            </a:r>
+            <a:r>
+              <a:rPr lang="en-US" b="1" dirty="0" smtClean="0">
+                <a:solidFill>
+                  <a:srgbClr val="77933C"/>
+                </a:solidFill>
+              </a:rPr>
+              <a:t>Add</a:t>
+            </a:r>
+            <a:r>
+              <a:rPr lang="en-US" dirty="0" smtClean="0"/>
+              <a:t>” action. The ”</a:t>
+            </a:r>
+            <a:r>
+              <a:rPr lang="en-US" b="1" dirty="0" smtClean="0">
+                <a:solidFill>
+                  <a:srgbClr val="77933C"/>
+                </a:solidFill>
+              </a:rPr>
+              <a:t>Authorize</a:t>
+            </a:r>
+            <a:r>
+              <a:rPr lang="en-US" dirty="0" smtClean="0"/>
+              <a:t>” attribute will make sure that we’re logged in to access the controller.</a:t>
             </a:r>
             <a:r>
               <a:rPr lang="sv-SE" dirty="0" smtClean="0"/>
-              <a:t> </a:t>
-            </a:r>
-            <a:r>
-              <a:rPr lang="sv-SE" dirty="0" err="1" smtClean="0"/>
-              <a:t>proceed</a:t>
-            </a:r>
-            <a:r>
-              <a:rPr lang="sv-SE" dirty="0" smtClean="0"/>
-              <a:t> by </a:t>
-            </a:r>
-            <a:r>
-              <a:rPr lang="sv-SE" dirty="0" err="1" smtClean="0"/>
-              <a:t>creating</a:t>
-            </a:r>
-            <a:r>
-              <a:rPr lang="sv-SE" dirty="0" smtClean="0"/>
-              <a:t> a </a:t>
-            </a:r>
-            <a:r>
-              <a:rPr lang="sv-SE" dirty="0" err="1" smtClean="0"/>
-              <a:t>claim</a:t>
-            </a:r>
-            <a:r>
-              <a:rPr lang="sv-SE" dirty="0" smtClean="0"/>
-              <a:t> controller </a:t>
-            </a:r>
-            <a:r>
-              <a:rPr lang="sv-SE" dirty="0" err="1" smtClean="0"/>
-              <a:t>with</a:t>
-            </a:r>
-            <a:r>
-              <a:rPr lang="sv-SE" dirty="0" smtClean="0"/>
-              <a:t> an ”</a:t>
-            </a:r>
-            <a:r>
-              <a:rPr lang="sv-SE" b="1" dirty="0" err="1" smtClean="0">
-                <a:solidFill>
-                  <a:srgbClr val="77933C"/>
-                </a:solidFill>
-              </a:rPr>
-              <a:t>Add</a:t>
-            </a:r>
-            <a:r>
-              <a:rPr lang="sv-SE" dirty="0" smtClean="0"/>
-              <a:t>” action. The ”</a:t>
-            </a:r>
-            <a:r>
-              <a:rPr lang="sv-SE" b="1" dirty="0" err="1" smtClean="0">
-                <a:solidFill>
-                  <a:srgbClr val="77933C"/>
-                </a:solidFill>
-              </a:rPr>
-              <a:t>Authorize</a:t>
-            </a:r>
-            <a:r>
-              <a:rPr lang="sv-SE" dirty="0" smtClean="0"/>
-              <a:t>” </a:t>
-            </a:r>
-            <a:r>
-              <a:rPr lang="sv-SE" dirty="0" err="1" smtClean="0"/>
-              <a:t>attribute</a:t>
-            </a:r>
-            <a:r>
-              <a:rPr lang="sv-SE" dirty="0" smtClean="0"/>
-              <a:t> </a:t>
-            </a:r>
-            <a:r>
-              <a:rPr lang="sv-SE" dirty="0" err="1" smtClean="0"/>
-              <a:t>will</a:t>
-            </a:r>
-            <a:r>
-              <a:rPr lang="sv-SE" dirty="0" smtClean="0"/>
-              <a:t> make sure </a:t>
-            </a:r>
-            <a:r>
-              <a:rPr lang="sv-SE" dirty="0" err="1" smtClean="0"/>
-              <a:t>that</a:t>
-            </a:r>
-            <a:r>
-              <a:rPr lang="sv-SE" dirty="0" smtClean="0"/>
-              <a:t> </a:t>
-            </a:r>
-            <a:r>
-              <a:rPr lang="sv-SE" dirty="0" err="1" smtClean="0"/>
-              <a:t>we’re</a:t>
-            </a:r>
-            <a:r>
-              <a:rPr lang="sv-SE" dirty="0" smtClean="0"/>
-              <a:t> </a:t>
-            </a:r>
-            <a:r>
-              <a:rPr lang="sv-SE" dirty="0" err="1" smtClean="0"/>
-              <a:t>logged</a:t>
-            </a:r>
-            <a:r>
-              <a:rPr lang="sv-SE" dirty="0" smtClean="0"/>
-              <a:t> in to access the controller.</a:t>
+              <a:t/>
             </a:r>
             <a:br>
               <a:rPr lang="sv-SE" dirty="0" smtClean="0"/>
@@ -9588,31 +8777,11 @@
               <a:buNone/>
             </a:pPr>
             <a:r>
-              <a:rPr lang="sv-SE" dirty="0" err="1" smtClean="0"/>
-              <a:t>We</a:t>
-            </a:r>
-            <a:r>
-              <a:rPr lang="sv-SE" dirty="0" smtClean="0"/>
-              <a:t> </a:t>
-            </a:r>
-            <a:r>
-              <a:rPr lang="sv-SE" dirty="0" err="1" smtClean="0"/>
-              <a:t>create</a:t>
-            </a:r>
-            <a:r>
-              <a:rPr lang="sv-SE" dirty="0" smtClean="0"/>
-              <a:t> a POST </a:t>
-            </a:r>
-            <a:r>
-              <a:rPr lang="sv-SE" dirty="0" err="1" smtClean="0"/>
-              <a:t>method</a:t>
-            </a:r>
-            <a:r>
-              <a:rPr lang="sv-SE" dirty="0" smtClean="0"/>
-              <a:t> for the </a:t>
-            </a:r>
-            <a:r>
-              <a:rPr lang="sv-SE" b="1" dirty="0" err="1" smtClean="0">
+              <a:rPr lang="en-US" dirty="0" smtClean="0"/>
+              <a:t>We create a POST method for the </a:t>
+            </a:r>
+            <a:r>
+              <a:rPr lang="en-US" b="1" dirty="0" smtClean="0">
                 <a:solidFill>
                   <a:srgbClr val="77933C"/>
                 </a:solidFill>
@@ -9620,7 +8789,7 @@
               <a:t>Add</a:t>
             </a:r>
             <a:r>
-              <a:rPr lang="sv-SE" dirty="0" smtClean="0"/>
+              <a:rPr lang="en-US" dirty="0" smtClean="0"/>
               <a:t> action.</a:t>
             </a:r>
           </a:p>
@@ -10585,40 +9754,24 @@
               <a:buNone/>
             </a:pPr>
             <a:r>
-              <a:rPr lang="sv-SE" dirty="0" smtClean="0"/>
-              <a:t>So </a:t>
-            </a:r>
-            <a:r>
-              <a:rPr lang="sv-SE" dirty="0" err="1" smtClean="0"/>
-              <a:t>what</a:t>
-            </a:r>
-            <a:r>
-              <a:rPr lang="sv-SE" dirty="0" smtClean="0"/>
-              <a:t> </a:t>
-            </a:r>
-            <a:r>
-              <a:rPr lang="sv-SE" dirty="0" err="1" smtClean="0"/>
-              <a:t>does</a:t>
-            </a:r>
-            <a:r>
-              <a:rPr lang="sv-SE" dirty="0" smtClean="0"/>
-              <a:t> the action do?</a:t>
+              <a:rPr lang="en-US" dirty="0" smtClean="0"/>
+              <a:t>So what does the action do?</a:t>
             </a:r>
             <a:br>
-              <a:rPr lang="sv-SE" dirty="0" smtClean="0"/>
+              <a:rPr lang="en-US" dirty="0" smtClean="0"/>
             </a:br>
-            <a:endParaRPr lang="sv-SE" dirty="0"/>
+            <a:endParaRPr lang="en-US" dirty="0" smtClean="0"/>
           </a:p>
           <a:p>
             <a:pPr marL="0" indent="0">
               <a:buNone/>
             </a:pPr>
             <a:r>
-              <a:rPr lang="sv-SE" dirty="0" smtClean="0"/>
+              <a:rPr lang="en-US" dirty="0" smtClean="0"/>
               <a:t>The </a:t>
             </a:r>
             <a:r>
-              <a:rPr lang="sv-SE" b="1" dirty="0" err="1" smtClean="0">
+              <a:rPr lang="en-US" b="1" dirty="0" err="1" smtClean="0">
                 <a:solidFill>
                   <a:srgbClr val="77933C"/>
                 </a:solidFill>
@@ -10626,123 +9779,39 @@
               <a:t>ApplicationUserManager</a:t>
             </a:r>
             <a:r>
-              <a:rPr lang="sv-SE" dirty="0" smtClean="0"/>
-              <a:t> is </a:t>
-            </a:r>
-            <a:r>
-              <a:rPr lang="sv-SE" dirty="0" err="1" smtClean="0"/>
-              <a:t>used</a:t>
-            </a:r>
-            <a:r>
-              <a:rPr lang="sv-SE" dirty="0" smtClean="0"/>
-              <a:t> to </a:t>
-            </a:r>
-            <a:r>
-              <a:rPr lang="sv-SE" dirty="0" err="1" smtClean="0"/>
-              <a:t>handle</a:t>
-            </a:r>
-            <a:r>
-              <a:rPr lang="sv-SE" dirty="0" smtClean="0"/>
-              <a:t> </a:t>
-            </a:r>
-            <a:r>
-              <a:rPr lang="sv-SE" dirty="0" err="1" smtClean="0"/>
-              <a:t>identities</a:t>
-            </a:r>
-            <a:r>
-              <a:rPr lang="sv-SE" dirty="0" smtClean="0"/>
-              <a:t>.</a:t>
+              <a:rPr lang="en-US" dirty="0" smtClean="0"/>
+              <a:t> is used to handle identities.</a:t>
             </a:r>
           </a:p>
           <a:p>
             <a:pPr marL="0" indent="0">
               <a:buNone/>
             </a:pPr>
-            <a:endParaRPr lang="sv-SE" dirty="0"/>
+            <a:endParaRPr lang="en-US" dirty="0" smtClean="0"/>
           </a:p>
           <a:p>
             <a:pPr marL="0" indent="0">
               <a:buNone/>
             </a:pPr>
-            <a:endParaRPr lang="sv-SE" dirty="0" smtClean="0"/>
+            <a:endParaRPr lang="en-US" dirty="0" smtClean="0"/>
           </a:p>
           <a:p>
             <a:pPr marL="0" indent="0">
               <a:buNone/>
             </a:pPr>
             <a:r>
-              <a:rPr lang="sv-SE" dirty="0" err="1" smtClean="0"/>
-              <a:t>Here</a:t>
-            </a:r>
-            <a:r>
-              <a:rPr lang="sv-SE" dirty="0" smtClean="0"/>
-              <a:t> </a:t>
-            </a:r>
-            <a:r>
-              <a:rPr lang="sv-SE" dirty="0" err="1" smtClean="0"/>
-              <a:t>we</a:t>
-            </a:r>
-            <a:r>
-              <a:rPr lang="sv-SE" dirty="0" smtClean="0"/>
-              <a:t> </a:t>
-            </a:r>
-            <a:r>
-              <a:rPr lang="sv-SE" dirty="0" err="1" smtClean="0"/>
-              <a:t>add</a:t>
-            </a:r>
-            <a:r>
-              <a:rPr lang="sv-SE" dirty="0" smtClean="0"/>
-              <a:t> a </a:t>
-            </a:r>
-            <a:r>
-              <a:rPr lang="sv-SE" dirty="0" err="1" smtClean="0"/>
-              <a:t>claim</a:t>
-            </a:r>
-            <a:r>
-              <a:rPr lang="sv-SE" dirty="0" smtClean="0"/>
-              <a:t> to the </a:t>
-            </a:r>
-            <a:r>
-              <a:rPr lang="sv-SE" dirty="0" err="1" smtClean="0"/>
-              <a:t>currently</a:t>
-            </a:r>
-            <a:r>
-              <a:rPr lang="sv-SE" dirty="0" smtClean="0"/>
-              <a:t> </a:t>
-            </a:r>
-            <a:r>
-              <a:rPr lang="sv-SE" dirty="0" err="1" smtClean="0"/>
-              <a:t>logged</a:t>
-            </a:r>
-            <a:r>
-              <a:rPr lang="sv-SE" dirty="0" smtClean="0"/>
-              <a:t> in </a:t>
-            </a:r>
-            <a:r>
-              <a:rPr lang="sv-SE" dirty="0" err="1" smtClean="0"/>
-              <a:t>user</a:t>
-            </a:r>
-            <a:r>
-              <a:rPr lang="sv-SE" dirty="0" smtClean="0"/>
-              <a:t> </a:t>
-            </a:r>
-            <a:r>
-              <a:rPr lang="sv-SE" dirty="0" err="1" smtClean="0"/>
-              <a:t>using</a:t>
-            </a:r>
-            <a:r>
-              <a:rPr lang="sv-SE" dirty="0" smtClean="0"/>
-              <a:t> the </a:t>
-            </a:r>
-            <a:r>
-              <a:rPr lang="sv-SE" b="1" dirty="0" err="1" smtClean="0">
+              <a:rPr lang="en-US" dirty="0" smtClean="0"/>
+              <a:t>Here we add a claim to the currently logged in user using the </a:t>
+            </a:r>
+            <a:r>
+              <a:rPr lang="en-US" b="1" dirty="0" err="1" smtClean="0">
                 <a:solidFill>
                   <a:srgbClr val="77933C"/>
                 </a:solidFill>
               </a:rPr>
               <a:t>ApplicationUserManager</a:t>
             </a:r>
-            <a:endParaRPr lang="sv-SE" b="1" dirty="0" smtClean="0">
+            <a:endParaRPr lang="en-US" b="1" dirty="0" smtClean="0">
               <a:solidFill>
                 <a:srgbClr val="77933C"/>
               </a:solidFill>
@@ -11392,6 +10461,10 @@
           <a:bodyPr/>
           <a:lstStyle/>
           <a:p>
+            <a:r>
+              <a:rPr lang="en-US" sz="2800" b="1" dirty="0"/>
+              <a:t>ASP.NET Identity</a:t>
+            </a:r>
             <a:endParaRPr lang="en-GB" dirty="0"/>
           </a:p>
         </p:txBody>
@@ -11422,99 +10495,11 @@
               <a:buNone/>
             </a:pPr>
             <a:r>
-              <a:rPr lang="sv-SE" sz="3200" dirty="0" smtClean="0"/>
-              <a:t>Before </a:t>
-            </a:r>
-            <a:r>
-              <a:rPr lang="sv-SE" sz="3200" dirty="0" err="1" smtClean="0"/>
-              <a:t>we</a:t>
-            </a:r>
-            <a:r>
-              <a:rPr lang="sv-SE" sz="3200" dirty="0" smtClean="0"/>
-              <a:t> </a:t>
-            </a:r>
-            <a:r>
-              <a:rPr lang="sv-SE" sz="3200" dirty="0" err="1" smtClean="0"/>
-              <a:t>create</a:t>
-            </a:r>
-            <a:r>
-              <a:rPr lang="sv-SE" sz="3200" dirty="0" smtClean="0"/>
-              <a:t> a </a:t>
-            </a:r>
-            <a:r>
-              <a:rPr lang="sv-SE" sz="3200" dirty="0" err="1" smtClean="0"/>
-              <a:t>view</a:t>
-            </a:r>
-            <a:r>
-              <a:rPr lang="sv-SE" sz="3200" dirty="0" smtClean="0"/>
-              <a:t> for the action </a:t>
-            </a:r>
-            <a:r>
-              <a:rPr lang="sv-SE" sz="3200" dirty="0" err="1" smtClean="0"/>
-              <a:t>we</a:t>
-            </a:r>
-            <a:r>
-              <a:rPr lang="sv-SE" sz="3200" dirty="0" smtClean="0"/>
-              <a:t> </a:t>
-            </a:r>
-            <a:r>
-              <a:rPr lang="sv-SE" sz="3200" dirty="0" err="1" smtClean="0"/>
-              <a:t>need</a:t>
-            </a:r>
-            <a:r>
-              <a:rPr lang="sv-SE" sz="3200" dirty="0" smtClean="0"/>
-              <a:t> to </a:t>
-            </a:r>
-            <a:r>
-              <a:rPr lang="sv-SE" sz="3200" dirty="0" err="1" smtClean="0"/>
-              <a:t>create</a:t>
-            </a:r>
-            <a:r>
-              <a:rPr lang="sv-SE" sz="3200" dirty="0" smtClean="0"/>
-              <a:t> a </a:t>
-            </a:r>
-            <a:r>
-              <a:rPr lang="sv-SE" sz="3200" dirty="0" err="1" smtClean="0"/>
-              <a:t>model</a:t>
-            </a:r>
-            <a:r>
-              <a:rPr lang="sv-SE" sz="3200" dirty="0" smtClean="0"/>
-              <a:t>. </a:t>
-            </a:r>
-            <a:r>
-              <a:rPr lang="sv-SE" sz="3200" dirty="0" err="1" smtClean="0"/>
-              <a:t>We</a:t>
-            </a:r>
-            <a:r>
-              <a:rPr lang="sv-SE" sz="3200" dirty="0" smtClean="0"/>
-              <a:t> </a:t>
-            </a:r>
-            <a:r>
-              <a:rPr lang="sv-SE" sz="3200" dirty="0" err="1" smtClean="0"/>
-              <a:t>will</a:t>
-            </a:r>
-            <a:r>
-              <a:rPr lang="sv-SE" sz="3200" dirty="0" smtClean="0"/>
-              <a:t> call </a:t>
-            </a:r>
-            <a:r>
-              <a:rPr lang="sv-SE" sz="3200" dirty="0" err="1" smtClean="0"/>
-              <a:t>this</a:t>
-            </a:r>
-            <a:r>
-              <a:rPr lang="sv-SE" sz="3200" dirty="0" smtClean="0"/>
-              <a:t> </a:t>
-            </a:r>
-            <a:r>
-              <a:rPr lang="sv-SE" sz="3200" dirty="0" err="1" smtClean="0"/>
-              <a:t>model</a:t>
-            </a:r>
-            <a:r>
-              <a:rPr lang="sv-SE" sz="3200" dirty="0" smtClean="0"/>
-              <a:t> ”</a:t>
-            </a:r>
-            <a:r>
-              <a:rPr lang="sv-SE" sz="3200" b="1" dirty="0" err="1" smtClean="0">
+              <a:rPr lang="en-US" sz="3200" dirty="0" smtClean="0"/>
+              <a:t>Before we create a view for the action we need to create a model. We will call this model ”</a:t>
+            </a:r>
+            <a:r>
+              <a:rPr lang="en-US" sz="3200" b="1" dirty="0" err="1" smtClean="0">
                 <a:solidFill>
                   <a:srgbClr val="77933C"/>
                 </a:solidFill>
@@ -11522,7 +10507,7 @@
               <a:t>CustomClaimModel</a:t>
             </a:r>
             <a:r>
-              <a:rPr lang="sv-SE" sz="3200" dirty="0" smtClean="0"/>
+              <a:rPr lang="en-US" sz="3200" dirty="0" smtClean="0"/>
               <a:t>”</a:t>
             </a:r>
           </a:p>
@@ -11981,128 +10966,8 @@
               <a:buNone/>
             </a:pPr>
             <a:r>
-              <a:rPr lang="sv-SE" sz="6000" dirty="0" smtClean="0"/>
-              <a:t>The </a:t>
-            </a:r>
-            <a:r>
-              <a:rPr lang="sv-SE" sz="6000" dirty="0" err="1" smtClean="0"/>
-              <a:t>next</a:t>
-            </a:r>
-            <a:r>
-              <a:rPr lang="sv-SE" sz="6000" dirty="0" smtClean="0"/>
-              <a:t> step is to </a:t>
-            </a:r>
-            <a:r>
-              <a:rPr lang="sv-SE" sz="6000" dirty="0" err="1" smtClean="0"/>
-              <a:t>create</a:t>
-            </a:r>
-            <a:r>
-              <a:rPr lang="sv-SE" sz="6000" dirty="0" smtClean="0"/>
-              <a:t> a </a:t>
-            </a:r>
-            <a:r>
-              <a:rPr lang="sv-SE" sz="6000" dirty="0" err="1" smtClean="0"/>
-              <a:t>view</a:t>
-            </a:r>
-            <a:r>
-              <a:rPr lang="sv-SE" sz="6000" dirty="0" smtClean="0"/>
-              <a:t> for </a:t>
-            </a:r>
-            <a:r>
-              <a:rPr lang="sv-SE" sz="6000" dirty="0" err="1" smtClean="0"/>
-              <a:t>our</a:t>
-            </a:r>
-            <a:r>
-              <a:rPr lang="sv-SE" sz="6000" dirty="0" smtClean="0"/>
-              <a:t> ”</a:t>
-            </a:r>
-            <a:r>
-              <a:rPr lang="sv-SE" sz="6000" dirty="0" err="1" smtClean="0"/>
-              <a:t>Add</a:t>
-            </a:r>
-            <a:r>
-              <a:rPr lang="sv-SE" sz="6000" dirty="0" smtClean="0"/>
-              <a:t>” action. In </a:t>
-            </a:r>
-            <a:r>
-              <a:rPr lang="sv-SE" sz="6000" dirty="0" err="1" smtClean="0"/>
-              <a:t>this</a:t>
-            </a:r>
-            <a:r>
-              <a:rPr lang="sv-SE" sz="6000" dirty="0" smtClean="0"/>
-              <a:t> </a:t>
-            </a:r>
-            <a:r>
-              <a:rPr lang="sv-SE" sz="6000" dirty="0" err="1" smtClean="0"/>
-              <a:t>view</a:t>
-            </a:r>
-            <a:r>
-              <a:rPr lang="sv-SE" sz="6000" dirty="0" smtClean="0"/>
-              <a:t> </a:t>
-            </a:r>
-            <a:r>
-              <a:rPr lang="sv-SE" sz="6000" dirty="0" err="1" smtClean="0"/>
-              <a:t>we</a:t>
-            </a:r>
-            <a:r>
-              <a:rPr lang="sv-SE" sz="6000" dirty="0" smtClean="0"/>
-              <a:t> </a:t>
-            </a:r>
-            <a:r>
-              <a:rPr lang="sv-SE" sz="6000" dirty="0" err="1" smtClean="0"/>
-              <a:t>have</a:t>
-            </a:r>
-            <a:r>
-              <a:rPr lang="sv-SE" sz="6000" dirty="0" smtClean="0"/>
-              <a:t> to be </a:t>
-            </a:r>
-            <a:r>
-              <a:rPr lang="sv-SE" sz="6000" dirty="0" err="1" smtClean="0"/>
-              <a:t>able</a:t>
-            </a:r>
-            <a:r>
-              <a:rPr lang="sv-SE" sz="6000" dirty="0" smtClean="0"/>
-              <a:t> to </a:t>
-            </a:r>
-            <a:r>
-              <a:rPr lang="sv-SE" sz="6000" dirty="0" err="1" smtClean="0"/>
-              <a:t>enter</a:t>
-            </a:r>
-            <a:r>
-              <a:rPr lang="sv-SE" sz="6000" dirty="0" smtClean="0"/>
-              <a:t> a </a:t>
-            </a:r>
-            <a:r>
-              <a:rPr lang="sv-SE" sz="6000" dirty="0" err="1" smtClean="0"/>
-              <a:t>claim</a:t>
-            </a:r>
-            <a:r>
-              <a:rPr lang="sv-SE" sz="6000" dirty="0" smtClean="0"/>
-              <a:t> </a:t>
-            </a:r>
-            <a:r>
-              <a:rPr lang="sv-SE" sz="6000" dirty="0" err="1" smtClean="0"/>
-              <a:t>type</a:t>
-            </a:r>
-            <a:r>
-              <a:rPr lang="sv-SE" sz="6000" dirty="0" smtClean="0"/>
-              <a:t> and </a:t>
-            </a:r>
-            <a:r>
-              <a:rPr lang="sv-SE" sz="6000" dirty="0" err="1" smtClean="0"/>
-              <a:t>claim</a:t>
-            </a:r>
-            <a:r>
-              <a:rPr lang="sv-SE" sz="6000" dirty="0" smtClean="0"/>
-              <a:t> </a:t>
-            </a:r>
-            <a:r>
-              <a:rPr lang="sv-SE" sz="6000" dirty="0" err="1" smtClean="0"/>
-              <a:t>value</a:t>
-            </a:r>
-            <a:r>
-              <a:rPr lang="sv-SE" sz="6000" dirty="0" smtClean="0"/>
-              <a:t>. </a:t>
+              <a:rPr lang="en-US" sz="6000" dirty="0" smtClean="0"/>
+              <a:t>The next step is to create a view for our ”Add” action. In this view we have to be able to enter a claim type and claim value. </a:t>
             </a:r>
           </a:p>
           <a:p>

--- a/Documents/Slides/Identity-ClaimsExerciseMVC.pptx
+++ b/Documents/Slides/Identity-ClaimsExerciseMVC.pptx
@@ -225,7 +225,7 @@
           <a:p>
             <a:fld id="{B5922E6D-3451-482A-A64F-C89F139BA51A}" type="datetimeFigureOut">
               <a:rPr lang="en-US" smtClean="0"/>
-              <a:t>12/2/2014</a:t>
+              <a:t>12/3/2014</a:t>
             </a:fld>
             <a:endParaRPr lang="en-US"/>
           </a:p>
@@ -390,7 +390,7 @@
           <a:p>
             <a:fld id="{05247E74-41DE-40FA-A7A7-A655366ADCFA}" type="datetimeFigureOut">
               <a:rPr lang="sv-SE" smtClean="0"/>
-              <a:t>2014-12-02</a:t>
+              <a:t>2014-12-03</a:t>
             </a:fld>
             <a:endParaRPr lang="sv-SE"/>
           </a:p>
@@ -854,7 +854,7 @@
           <a:p>
             <a:fld id="{DB41BBF1-8D56-4061-8DE2-461FDAC177EF}" type="datetimeFigureOut">
               <a:rPr lang="sv-SE" smtClean="0"/>
-              <a:t>2014-12-02</a:t>
+              <a:t>2014-12-03</a:t>
             </a:fld>
             <a:endParaRPr lang="sv-SE"/>
           </a:p>
@@ -1118,7 +1118,7 @@
           <a:p>
             <a:fld id="{DB41BBF1-8D56-4061-8DE2-461FDAC177EF}" type="datetimeFigureOut">
               <a:rPr lang="sv-SE" smtClean="0"/>
-              <a:t>2014-12-02</a:t>
+              <a:t>2014-12-03</a:t>
             </a:fld>
             <a:endParaRPr lang="sv-SE"/>
           </a:p>
@@ -1295,7 +1295,7 @@
           <a:p>
             <a:fld id="{DB41BBF1-8D56-4061-8DE2-461FDAC177EF}" type="datetimeFigureOut">
               <a:rPr lang="sv-SE" smtClean="0"/>
-              <a:t>2014-12-02</a:t>
+              <a:t>2014-12-03</a:t>
             </a:fld>
             <a:endParaRPr lang="sv-SE"/>
           </a:p>
@@ -1482,7 +1482,7 @@
           <a:p>
             <a:fld id="{DB41BBF1-8D56-4061-8DE2-461FDAC177EF}" type="datetimeFigureOut">
               <a:rPr lang="sv-SE" smtClean="0"/>
-              <a:t>2014-12-02</a:t>
+              <a:t>2014-12-03</a:t>
             </a:fld>
             <a:endParaRPr lang="sv-SE"/>
           </a:p>
@@ -1746,7 +1746,7 @@
           <a:p>
             <a:fld id="{DB41BBF1-8D56-4061-8DE2-461FDAC177EF}" type="datetimeFigureOut">
               <a:rPr lang="sv-SE" smtClean="0"/>
-              <a:t>2014-12-02</a:t>
+              <a:t>2014-12-03</a:t>
             </a:fld>
             <a:endParaRPr lang="sv-SE"/>
           </a:p>
@@ -1923,7 +1923,7 @@
           <a:p>
             <a:fld id="{DB41BBF1-8D56-4061-8DE2-461FDAC177EF}" type="datetimeFigureOut">
               <a:rPr lang="sv-SE" smtClean="0"/>
-              <a:t>2014-12-02</a:t>
+              <a:t>2014-12-03</a:t>
             </a:fld>
             <a:endParaRPr lang="sv-SE"/>
           </a:p>
@@ -2176,7 +2176,7 @@
           <a:p>
             <a:fld id="{DB41BBF1-8D56-4061-8DE2-461FDAC177EF}" type="datetimeFigureOut">
               <a:rPr lang="sv-SE" smtClean="0"/>
-              <a:t>2014-12-02</a:t>
+              <a:t>2014-12-03</a:t>
             </a:fld>
             <a:endParaRPr lang="sv-SE"/>
           </a:p>
@@ -2471,7 +2471,7 @@
           <a:p>
             <a:fld id="{DB41BBF1-8D56-4061-8DE2-461FDAC177EF}" type="datetimeFigureOut">
               <a:rPr lang="sv-SE" smtClean="0"/>
-              <a:t>2014-12-02</a:t>
+              <a:t>2014-12-03</a:t>
             </a:fld>
             <a:endParaRPr lang="sv-SE"/>
           </a:p>
@@ -2900,7 +2900,7 @@
           <a:p>
             <a:fld id="{DB41BBF1-8D56-4061-8DE2-461FDAC177EF}" type="datetimeFigureOut">
               <a:rPr lang="sv-SE" smtClean="0"/>
-              <a:t>2014-12-02</a:t>
+              <a:t>2014-12-03</a:t>
             </a:fld>
             <a:endParaRPr lang="sv-SE"/>
           </a:p>
@@ -3025,7 +3025,7 @@
           <a:p>
             <a:fld id="{DB41BBF1-8D56-4061-8DE2-461FDAC177EF}" type="datetimeFigureOut">
               <a:rPr lang="sv-SE" smtClean="0"/>
-              <a:t>2014-12-02</a:t>
+              <a:t>2014-12-03</a:t>
             </a:fld>
             <a:endParaRPr lang="sv-SE"/>
           </a:p>
@@ -3127,7 +3127,7 @@
           <a:p>
             <a:fld id="{DB41BBF1-8D56-4061-8DE2-461FDAC177EF}" type="datetimeFigureOut">
               <a:rPr lang="sv-SE" smtClean="0"/>
-              <a:t>2014-12-02</a:t>
+              <a:t>2014-12-03</a:t>
             </a:fld>
             <a:endParaRPr lang="sv-SE"/>
           </a:p>
@@ -3411,7 +3411,7 @@
           <a:p>
             <a:fld id="{DB41BBF1-8D56-4061-8DE2-461FDAC177EF}" type="datetimeFigureOut">
               <a:rPr lang="sv-SE" smtClean="0"/>
-              <a:t>2014-12-02</a:t>
+              <a:t>2014-12-03</a:t>
             </a:fld>
             <a:endParaRPr lang="sv-SE"/>
           </a:p>
@@ -3639,7 +3639,7 @@
           <a:p>
             <a:fld id="{DB41BBF1-8D56-4061-8DE2-461FDAC177EF}" type="datetimeFigureOut">
               <a:rPr lang="sv-SE" smtClean="0"/>
-              <a:t>2014-12-02</a:t>
+              <a:t>2014-12-03</a:t>
             </a:fld>
             <a:endParaRPr lang="sv-SE"/>
           </a:p>
@@ -4212,15 +4212,15 @@
         <p:spPr/>
         <p:txBody>
           <a:bodyPr>
-            <a:normAutofit fontScale="90000"/>
+            <a:normAutofit/>
           </a:bodyPr>
           <a:lstStyle/>
           <a:p>
             <a:r>
-              <a:rPr lang="en-US" sz="3200" b="1" dirty="0"/>
+              <a:rPr lang="en-US" sz="2800" b="1" dirty="0"/>
               <a:t>ASP.NET Identity</a:t>
             </a:r>
-            <a:endParaRPr lang="en-GB" dirty="0"/>
+            <a:endParaRPr lang="en-GB" sz="2800" dirty="0"/>
           </a:p>
         </p:txBody>
       </p:sp>
@@ -7281,15 +7281,15 @@
         <p:spPr/>
         <p:txBody>
           <a:bodyPr>
-            <a:normAutofit fontScale="90000"/>
+            <a:normAutofit/>
           </a:bodyPr>
           <a:lstStyle/>
           <a:p>
             <a:r>
-              <a:rPr lang="en-US" sz="3200" b="1" dirty="0"/>
+              <a:rPr lang="en-US" sz="2800" b="1" dirty="0"/>
               <a:t>ASP.NET Identity</a:t>
             </a:r>
-            <a:endParaRPr lang="en-GB" dirty="0"/>
+            <a:endParaRPr lang="en-GB" sz="2800" dirty="0"/>
           </a:p>
         </p:txBody>
       </p:sp>
@@ -7873,15 +7873,15 @@
         <p:spPr/>
         <p:txBody>
           <a:bodyPr>
-            <a:normAutofit fontScale="90000"/>
+            <a:normAutofit/>
           </a:bodyPr>
           <a:lstStyle/>
           <a:p>
             <a:r>
-              <a:rPr lang="en-US" sz="3200" b="1" dirty="0"/>
+              <a:rPr lang="en-US" sz="2800" b="1" dirty="0"/>
               <a:t>ASP.NET Identity</a:t>
             </a:r>
-            <a:endParaRPr lang="en-GB" dirty="0"/>
+            <a:endParaRPr lang="en-GB" sz="2800" dirty="0"/>
           </a:p>
         </p:txBody>
       </p:sp>
@@ -7895,53 +7895,29 @@
             <p:ph idx="1"/>
           </p:nvPr>
         </p:nvSpPr>
-        <p:spPr/>
+        <p:spPr>
+          <a:xfrm>
+            <a:off x="457" y="1600200"/>
+            <a:ext cx="9143085" cy="4525963"/>
+          </a:xfrm>
+        </p:spPr>
         <p:txBody>
           <a:bodyPr/>
           <a:lstStyle/>
           <a:p>
-            <a:pPr marL="0" indent="0">
+            <a:pPr marL="0" indent="0" algn="ctr">
               <a:buNone/>
             </a:pPr>
-            <a:r>
-              <a:rPr lang="en-US" dirty="0" smtClean="0"/>
-              <a:t>In this exercise we will create an application which can:</a:t>
-            </a:r>
-            <a:br>
-              <a:rPr lang="en-US" dirty="0" smtClean="0"/>
-            </a:br>
-            <a:endParaRPr lang="en-US" dirty="0" smtClean="0"/>
-          </a:p>
-          <a:p>
-            <a:r>
-              <a:rPr lang="en-US" dirty="0" smtClean="0"/>
-              <a:t>Add Roles &amp; Claims</a:t>
-            </a:r>
-          </a:p>
-          <a:p>
-            <a:r>
-              <a:rPr lang="en-US" dirty="0" smtClean="0"/>
-              <a:t>Delete Roles &amp; Claims</a:t>
-            </a:r>
-          </a:p>
-          <a:p>
-            <a:r>
-              <a:rPr lang="en-US" dirty="0" smtClean="0"/>
-              <a:t>Edit Roles</a:t>
-            </a:r>
-          </a:p>
-          <a:p>
-            <a:r>
-              <a:rPr lang="en-US" dirty="0" smtClean="0"/>
-              <a:t>Authorize by using Roles &amp; Claims</a:t>
-            </a:r>
-            <a:r>
-              <a:rPr lang="sv-SE" dirty="0"/>
-              <a:t/>
-            </a:r>
-            <a:br>
-              <a:rPr lang="sv-SE" dirty="0"/>
-            </a:br>
+            <a:endParaRPr lang="en-US" sz="3200" dirty="0" smtClean="0"/>
+          </a:p>
+          <a:p>
+            <a:pPr marL="0" indent="0" algn="ctr">
+              <a:buNone/>
+            </a:pPr>
+            <a:r>
+              <a:rPr lang="en-US" sz="3200" dirty="0" smtClean="0"/>
+              <a:t>In this exercise we will create an application which can create and list claims in an MVC web application</a:t>
+            </a:r>
             <a:r>
               <a:rPr lang="sv-SE" dirty="0" smtClean="0"/>
               <a:t/>
@@ -8003,15 +7979,15 @@
         <p:spPr/>
         <p:txBody>
           <a:bodyPr>
-            <a:normAutofit fontScale="90000"/>
+            <a:normAutofit/>
           </a:bodyPr>
           <a:lstStyle/>
           <a:p>
             <a:r>
-              <a:rPr lang="en-US" sz="3200" b="1" dirty="0"/>
+              <a:rPr lang="en-US" sz="2800" b="1" dirty="0"/>
               <a:t>ASP.NET Identity</a:t>
             </a:r>
-            <a:endParaRPr lang="en-GB" dirty="0"/>
+            <a:endParaRPr lang="en-GB" sz="2800" dirty="0"/>
           </a:p>
         </p:txBody>
       </p:sp>
@@ -8053,12 +8029,12 @@
               <a:t>This means we will </a:t>
             </a:r>
             <a:r>
-              <a:rPr lang="en-US" dirty="0" err="1" smtClean="0"/>
-              <a:t>recieve</a:t>
-            </a:r>
-            <a:r>
               <a:rPr lang="en-US" dirty="0" smtClean="0"/>
-              <a:t> a project which has already been configured to handle ASP.NET Identity.</a:t>
+              <a:t>receive </a:t>
+            </a:r>
+            <a:r>
+              <a:rPr lang="en-US" dirty="0" smtClean="0"/>
+              <a:t>a project which has already been configured to handle ASP.NET Identity.</a:t>
             </a:r>
           </a:p>
           <a:p>
@@ -8073,7 +8049,51 @@
             </a:pPr>
             <a:r>
               <a:rPr lang="en-US" dirty="0" smtClean="0"/>
-              <a:t>Now we want to create a page which will allow the user to add claims to its identity.</a:t>
+              <a:t>Now we want to create a page which will allow the user to </a:t>
+            </a:r>
+            <a:r>
+              <a:rPr lang="en-US" b="1" dirty="0" smtClean="0">
+                <a:solidFill>
+                  <a:srgbClr val="77933C"/>
+                </a:solidFill>
+              </a:rPr>
+              <a:t>add</a:t>
+            </a:r>
+            <a:r>
+              <a:rPr lang="en-US" dirty="0" smtClean="0"/>
+              <a:t> </a:t>
+            </a:r>
+            <a:r>
+              <a:rPr lang="en-US" b="1" dirty="0" smtClean="0">
+                <a:solidFill>
+                  <a:srgbClr val="77933C"/>
+                </a:solidFill>
+              </a:rPr>
+              <a:t>claims</a:t>
+            </a:r>
+            <a:r>
+              <a:rPr lang="en-US" dirty="0" smtClean="0">
+                <a:solidFill>
+                  <a:srgbClr val="77933C"/>
+                </a:solidFill>
+              </a:rPr>
+              <a:t> </a:t>
+            </a:r>
+            <a:r>
+              <a:rPr lang="en-US" dirty="0" smtClean="0"/>
+              <a:t>to its </a:t>
+            </a:r>
+            <a:r>
+              <a:rPr lang="en-US" b="1" dirty="0" smtClean="0">
+                <a:solidFill>
+                  <a:srgbClr val="77933C"/>
+                </a:solidFill>
+              </a:rPr>
+              <a:t>identity</a:t>
+            </a:r>
+            <a:r>
+              <a:rPr lang="en-US" dirty="0" smtClean="0"/>
+              <a:t>.</a:t>
             </a:r>
           </a:p>
           <a:p>
@@ -8134,15 +8154,15 @@
         <p:spPr/>
         <p:txBody>
           <a:bodyPr>
-            <a:normAutofit fontScale="90000"/>
+            <a:normAutofit/>
           </a:bodyPr>
           <a:lstStyle/>
           <a:p>
             <a:r>
-              <a:rPr lang="en-US" sz="3200" b="1" dirty="0"/>
+              <a:rPr lang="en-US" sz="2800" b="1" dirty="0"/>
               <a:t>ASP.NET Identity</a:t>
             </a:r>
-            <a:endParaRPr lang="en-GB" dirty="0"/>
+            <a:endParaRPr lang="en-GB" sz="2800" dirty="0"/>
           </a:p>
         </p:txBody>
       </p:sp>
@@ -8778,7 +8798,19 @@
             </a:pPr>
             <a:r>
               <a:rPr lang="en-US" dirty="0" smtClean="0"/>
-              <a:t>We create a POST method for the </a:t>
+              <a:t>We create a POST </a:t>
+            </a:r>
+            <a:r>
+              <a:rPr lang="en-US" dirty="0" smtClean="0"/>
+              <a:t>method</a:t>
+            </a:r>
+            <a:r>
+              <a:rPr lang="en-US" dirty="0" smtClean="0"/>
+              <a:t> </a:t>
+            </a:r>
+            <a:r>
+              <a:rPr lang="en-US" dirty="0" smtClean="0"/>
+              <a:t>for the </a:t>
             </a:r>
             <a:r>
               <a:rPr lang="en-US" b="1" dirty="0" smtClean="0">
@@ -9718,15 +9750,15 @@
         <p:spPr/>
         <p:txBody>
           <a:bodyPr>
-            <a:normAutofit fontScale="90000"/>
+            <a:normAutofit/>
           </a:bodyPr>
           <a:lstStyle/>
           <a:p>
             <a:r>
-              <a:rPr lang="en-US" sz="3200" b="1" dirty="0"/>
+              <a:rPr lang="en-US" sz="2800" b="1" dirty="0"/>
               <a:t>ASP.NET Identity</a:t>
             </a:r>
-            <a:endParaRPr lang="en-GB" dirty="0"/>
+            <a:endParaRPr lang="en-GB" sz="2800" dirty="0"/>
           </a:p>
         </p:txBody>
       </p:sp>
